--- a/Речници, Ламбда и LINQ/Речници.pptx
+++ b/Речници, Ламбда и LINQ/Речници.pptx
@@ -149,7 +149,7 @@
   </p:defaultTextStyle>
   <p:extLst>
     <p:ext uri="{521415D9-36F7-43E2-AB2F-B90AF26B5E84}">
-      <p14:sectionLst xmlns:p14="http://schemas.microsoft.com/office/powerpoint/2010/main">
+      <p14:sectionLst xmlns:p14="http://schemas.microsoft.com/office/powerpoint/2010/main" xmlns="">
         <p14:section name="Default Section" id="{A8DC77D5-1B79-4FA4-A105-B45A4A4A4640}">
           <p14:sldIdLst>
             <p14:sldId id="256"/>
@@ -201,7 +201,7 @@
       </p14:sectionLst>
     </p:ext>
     <p:ext uri="{EFAFB233-063F-42B5-8137-9DF3F51BA10A}">
-      <p15:sldGuideLst xmlns:p15="http://schemas.microsoft.com/office/powerpoint/2012/main">
+      <p15:sldGuideLst xmlns:p15="http://schemas.microsoft.com/office/powerpoint/2012/main" xmlns="">
         <p15:guide id="1" orient="horz" pos="2160">
           <p15:clr>
             <a:srgbClr val="A4A3A4"/>
@@ -301,7 +301,7 @@
             <a:fld id="{87C51F08-B5D1-4FE4-9FAD-848CD6A972E5}" type="datetimeFigureOut">
               <a:rPr lang="bg-BG" smtClean="0"/>
               <a:pPr/>
-              <a:t>23.2.2018 г.</a:t>
+              <a:t>24.2.2018 г.</a:t>
             </a:fld>
             <a:endParaRPr lang="bg-BG"/>
           </a:p>
@@ -470,7 +470,7 @@
     </p:spTree>
     <p:extLst>
       <p:ext uri="{BB962C8B-B14F-4D97-AF65-F5344CB8AC3E}">
-        <p14:creationId xmlns:p14="http://schemas.microsoft.com/office/powerpoint/2010/main" val="3415478644"/>
+        <p14:creationId xmlns:p14="http://schemas.microsoft.com/office/powerpoint/2010/main" xmlns="" val="3415478644"/>
       </p:ext>
     </p:extLst>
   </p:cSld>
@@ -797,7 +797,7 @@
             <a:fld id="{2B7EFFDF-CBE5-4FDB-B08D-503A89748AE9}" type="datetimeFigureOut">
               <a:rPr lang="bg-BG" smtClean="0"/>
               <a:pPr/>
-              <a:t>23.2.2018 г.</a:t>
+              <a:t>24.2.2018 г.</a:t>
             </a:fld>
             <a:endParaRPr lang="bg-BG"/>
           </a:p>
@@ -887,7 +887,7 @@
     </p:spTree>
     <p:extLst>
       <p:ext uri="{BB962C8B-B14F-4D97-AF65-F5344CB8AC3E}">
-        <p14:creationId xmlns:p14="http://schemas.microsoft.com/office/powerpoint/2010/main" val="761007633"/>
+        <p14:creationId xmlns:p14="http://schemas.microsoft.com/office/powerpoint/2010/main" xmlns="" val="761007633"/>
       </p:ext>
     </p:extLst>
   </p:cSld>
@@ -1007,7 +1007,7 @@
             <a:fld id="{2B7EFFDF-CBE5-4FDB-B08D-503A89748AE9}" type="datetimeFigureOut">
               <a:rPr lang="bg-BG" smtClean="0"/>
               <a:pPr/>
-              <a:t>23.2.2018 г.</a:t>
+              <a:t>24.2.2018 г.</a:t>
             </a:fld>
             <a:endParaRPr lang="bg-BG"/>
           </a:p>
@@ -1059,7 +1059,7 @@
     </p:spTree>
     <p:extLst>
       <p:ext uri="{BB962C8B-B14F-4D97-AF65-F5344CB8AC3E}">
-        <p14:creationId xmlns:p14="http://schemas.microsoft.com/office/powerpoint/2010/main" val="1976347112"/>
+        <p14:creationId xmlns:p14="http://schemas.microsoft.com/office/powerpoint/2010/main" xmlns="" val="1976347112"/>
       </p:ext>
     </p:extLst>
   </p:cSld>
@@ -1265,7 +1265,7 @@
             <a:fld id="{2B7EFFDF-CBE5-4FDB-B08D-503A89748AE9}" type="datetimeFigureOut">
               <a:rPr lang="bg-BG" smtClean="0"/>
               <a:pPr/>
-              <a:t>23.2.2018 г.</a:t>
+              <a:t>24.2.2018 г.</a:t>
             </a:fld>
             <a:endParaRPr lang="bg-BG"/>
           </a:p>
@@ -1317,7 +1317,7 @@
     </p:spTree>
     <p:extLst>
       <p:ext uri="{BB962C8B-B14F-4D97-AF65-F5344CB8AC3E}">
-        <p14:creationId xmlns:p14="http://schemas.microsoft.com/office/powerpoint/2010/main" val="2459308985"/>
+        <p14:creationId xmlns:p14="http://schemas.microsoft.com/office/powerpoint/2010/main" xmlns="" val="2459308985"/>
       </p:ext>
     </p:extLst>
   </p:cSld>
@@ -1441,7 +1441,7 @@
             <a:fld id="{2B7EFFDF-CBE5-4FDB-B08D-503A89748AE9}" type="datetimeFigureOut">
               <a:rPr lang="bg-BG" smtClean="0"/>
               <a:pPr/>
-              <a:t>23.2.2018 г.</a:t>
+              <a:t>24.2.2018 г.</a:t>
             </a:fld>
             <a:endParaRPr lang="bg-BG"/>
           </a:p>
@@ -1493,7 +1493,7 @@
     </p:spTree>
     <p:extLst>
       <p:ext uri="{BB962C8B-B14F-4D97-AF65-F5344CB8AC3E}">
-        <p14:creationId xmlns:p14="http://schemas.microsoft.com/office/powerpoint/2010/main" val="3263187237"/>
+        <p14:creationId xmlns:p14="http://schemas.microsoft.com/office/powerpoint/2010/main" xmlns="" val="3263187237"/>
       </p:ext>
     </p:extLst>
   </p:cSld>
@@ -1786,7 +1786,7 @@
             <a:fld id="{2B7EFFDF-CBE5-4FDB-B08D-503A89748AE9}" type="datetimeFigureOut">
               <a:rPr lang="bg-BG" smtClean="0"/>
               <a:pPr/>
-              <a:t>23.2.2018 г.</a:t>
+              <a:t>24.2.2018 г.</a:t>
             </a:fld>
             <a:endParaRPr lang="bg-BG"/>
           </a:p>
@@ -1876,7 +1876,7 @@
     </p:spTree>
     <p:extLst>
       <p:ext uri="{BB962C8B-B14F-4D97-AF65-F5344CB8AC3E}">
-        <p14:creationId xmlns:p14="http://schemas.microsoft.com/office/powerpoint/2010/main" val="4032931968"/>
+        <p14:creationId xmlns:p14="http://schemas.microsoft.com/office/powerpoint/2010/main" xmlns="" val="4032931968"/>
       </p:ext>
     </p:extLst>
   </p:cSld>
@@ -2063,7 +2063,7 @@
             <a:fld id="{2B7EFFDF-CBE5-4FDB-B08D-503A89748AE9}" type="datetimeFigureOut">
               <a:rPr lang="bg-BG" smtClean="0"/>
               <a:pPr/>
-              <a:t>23.2.2018 г.</a:t>
+              <a:t>24.2.2018 г.</a:t>
             </a:fld>
             <a:endParaRPr lang="bg-BG"/>
           </a:p>
@@ -2115,7 +2115,7 @@
     </p:spTree>
     <p:extLst>
       <p:ext uri="{BB962C8B-B14F-4D97-AF65-F5344CB8AC3E}">
-        <p14:creationId xmlns:p14="http://schemas.microsoft.com/office/powerpoint/2010/main" val="597892450"/>
+        <p14:creationId xmlns:p14="http://schemas.microsoft.com/office/powerpoint/2010/main" xmlns="" val="597892450"/>
       </p:ext>
     </p:extLst>
   </p:cSld>
@@ -2444,7 +2444,7 @@
             <a:fld id="{2B7EFFDF-CBE5-4FDB-B08D-503A89748AE9}" type="datetimeFigureOut">
               <a:rPr lang="bg-BG" smtClean="0"/>
               <a:pPr/>
-              <a:t>23.2.2018 г.</a:t>
+              <a:t>24.2.2018 г.</a:t>
             </a:fld>
             <a:endParaRPr lang="bg-BG"/>
           </a:p>
@@ -2496,7 +2496,7 @@
     </p:spTree>
     <p:extLst>
       <p:ext uri="{BB962C8B-B14F-4D97-AF65-F5344CB8AC3E}">
-        <p14:creationId xmlns:p14="http://schemas.microsoft.com/office/powerpoint/2010/main" val="3984051326"/>
+        <p14:creationId xmlns:p14="http://schemas.microsoft.com/office/powerpoint/2010/main" xmlns="" val="3984051326"/>
       </p:ext>
     </p:extLst>
   </p:cSld>
@@ -2564,7 +2564,7 @@
             <a:fld id="{2B7EFFDF-CBE5-4FDB-B08D-503A89748AE9}" type="datetimeFigureOut">
               <a:rPr lang="bg-BG" smtClean="0"/>
               <a:pPr/>
-              <a:t>23.2.2018 г.</a:t>
+              <a:t>24.2.2018 г.</a:t>
             </a:fld>
             <a:endParaRPr lang="bg-BG"/>
           </a:p>
@@ -2616,7 +2616,7 @@
     </p:spTree>
     <p:extLst>
       <p:ext uri="{BB962C8B-B14F-4D97-AF65-F5344CB8AC3E}">
-        <p14:creationId xmlns:p14="http://schemas.microsoft.com/office/powerpoint/2010/main" val="1789912344"/>
+        <p14:creationId xmlns:p14="http://schemas.microsoft.com/office/powerpoint/2010/main" xmlns="" val="1789912344"/>
       </p:ext>
     </p:extLst>
   </p:cSld>
@@ -2737,7 +2737,7 @@
             <a:fld id="{2B7EFFDF-CBE5-4FDB-B08D-503A89748AE9}" type="datetimeFigureOut">
               <a:rPr lang="bg-BG" smtClean="0"/>
               <a:pPr/>
-              <a:t>23.2.2018 г.</a:t>
+              <a:t>24.2.2018 г.</a:t>
             </a:fld>
             <a:endParaRPr lang="bg-BG"/>
           </a:p>
@@ -2797,7 +2797,7 @@
     </p:spTree>
     <p:extLst>
       <p:ext uri="{BB962C8B-B14F-4D97-AF65-F5344CB8AC3E}">
-        <p14:creationId xmlns:p14="http://schemas.microsoft.com/office/powerpoint/2010/main" val="4232190854"/>
+        <p14:creationId xmlns:p14="http://schemas.microsoft.com/office/powerpoint/2010/main" xmlns="" val="4232190854"/>
       </p:ext>
     </p:extLst>
   </p:cSld>
@@ -3093,7 +3093,7 @@
             <a:fld id="{2B7EFFDF-CBE5-4FDB-B08D-503A89748AE9}" type="datetimeFigureOut">
               <a:rPr lang="bg-BG" smtClean="0"/>
               <a:pPr/>
-              <a:t>23.2.2018 г.</a:t>
+              <a:t>24.2.2018 г.</a:t>
             </a:fld>
             <a:endParaRPr lang="bg-BG"/>
           </a:p>
@@ -3166,7 +3166,7 @@
     </p:spTree>
     <p:extLst>
       <p:ext uri="{BB962C8B-B14F-4D97-AF65-F5344CB8AC3E}">
-        <p14:creationId xmlns:p14="http://schemas.microsoft.com/office/powerpoint/2010/main" val="2130826474"/>
+        <p14:creationId xmlns:p14="http://schemas.microsoft.com/office/powerpoint/2010/main" xmlns="" val="2130826474"/>
       </p:ext>
     </p:extLst>
   </p:cSld>
@@ -3477,7 +3477,7 @@
             <a:fld id="{2B7EFFDF-CBE5-4FDB-B08D-503A89748AE9}" type="datetimeFigureOut">
               <a:rPr lang="bg-BG" smtClean="0"/>
               <a:pPr/>
-              <a:t>23.2.2018 г.</a:t>
+              <a:t>24.2.2018 г.</a:t>
             </a:fld>
             <a:endParaRPr lang="bg-BG"/>
           </a:p>
@@ -3529,7 +3529,7 @@
     </p:spTree>
     <p:extLst>
       <p:ext uri="{BB962C8B-B14F-4D97-AF65-F5344CB8AC3E}">
-        <p14:creationId xmlns:p14="http://schemas.microsoft.com/office/powerpoint/2010/main" val="4065941072"/>
+        <p14:creationId xmlns:p14="http://schemas.microsoft.com/office/powerpoint/2010/main" xmlns="" val="4065941072"/>
       </p:ext>
     </p:extLst>
   </p:cSld>
@@ -3766,7 +3766,7 @@
             <a:fld id="{2B7EFFDF-CBE5-4FDB-B08D-503A89748AE9}" type="datetimeFigureOut">
               <a:rPr lang="bg-BG" smtClean="0"/>
               <a:pPr/>
-              <a:t>23.2.2018 г.</a:t>
+              <a:t>24.2.2018 г.</a:t>
             </a:fld>
             <a:endParaRPr lang="bg-BG"/>
           </a:p>
@@ -3888,7 +3888,7 @@
     </p:spTree>
     <p:extLst>
       <p:ext uri="{BB962C8B-B14F-4D97-AF65-F5344CB8AC3E}">
-        <p14:creationId xmlns:p14="http://schemas.microsoft.com/office/powerpoint/2010/main" val="3149341397"/>
+        <p14:creationId xmlns:p14="http://schemas.microsoft.com/office/powerpoint/2010/main" xmlns="" val="3149341397"/>
       </p:ext>
     </p:extLst>
   </p:cSld>
@@ -4341,7 +4341,7 @@
     </p:spTree>
     <p:extLst>
       <p:ext uri="{BB962C8B-B14F-4D97-AF65-F5344CB8AC3E}">
-        <p14:creationId xmlns:p14="http://schemas.microsoft.com/office/powerpoint/2010/main" val="2791170945"/>
+        <p14:creationId xmlns:p14="http://schemas.microsoft.com/office/powerpoint/2010/main" xmlns="" val="2791170945"/>
       </p:ext>
     </p:extLst>
   </p:cSld>
@@ -5441,7 +5441,7 @@
     </p:spTree>
     <p:extLst>
       <p:ext uri="{BB962C8B-B14F-4D97-AF65-F5344CB8AC3E}">
-        <p14:creationId xmlns:p14="http://schemas.microsoft.com/office/powerpoint/2010/main" val="1207259414"/>
+        <p14:creationId xmlns:p14="http://schemas.microsoft.com/office/powerpoint/2010/main" xmlns="" val="1207259414"/>
       </p:ext>
     </p:extLst>
   </p:cSld>
@@ -6951,13 +6951,20 @@
     </p:spTree>
     <p:extLst>
       <p:ext uri="{BB962C8B-B14F-4D97-AF65-F5344CB8AC3E}">
-        <p14:creationId xmlns:p14="http://schemas.microsoft.com/office/powerpoint/2010/main" val="558967649"/>
+        <p14:creationId xmlns:p14="http://schemas.microsoft.com/office/powerpoint/2010/main" xmlns="" val="558967649"/>
       </p:ext>
     </p:extLst>
   </p:cSld>
   <p:clrMapOvr>
     <a:masterClrMapping/>
   </p:clrMapOvr>
+  <p:timing>
+    <p:tnLst>
+      <p:par>
+        <p:cTn id="1" dur="indefinite" restart="never" nodeType="tmRoot"/>
+      </p:par>
+    </p:tnLst>
+  </p:timing>
 </p:sld>
 </file>
 
@@ -7696,7 +7703,7 @@
     </p:spTree>
     <p:extLst>
       <p:ext uri="{BB962C8B-B14F-4D97-AF65-F5344CB8AC3E}">
-        <p14:creationId xmlns:p14="http://schemas.microsoft.com/office/powerpoint/2010/main" val="2030863481"/>
+        <p14:creationId xmlns:p14="http://schemas.microsoft.com/office/powerpoint/2010/main" xmlns="" val="2030863481"/>
       </p:ext>
     </p:extLst>
   </p:cSld>
@@ -8390,7 +8397,7 @@
     </p:spTree>
     <p:extLst>
       <p:ext uri="{BB962C8B-B14F-4D97-AF65-F5344CB8AC3E}">
-        <p14:creationId xmlns:p14="http://schemas.microsoft.com/office/powerpoint/2010/main" val="2811276581"/>
+        <p14:creationId xmlns:p14="http://schemas.microsoft.com/office/powerpoint/2010/main" xmlns="" val="2811276581"/>
       </p:ext>
     </p:extLst>
   </p:cSld>
@@ -8925,7 +8932,7 @@
     </p:spTree>
     <p:extLst>
       <p:ext uri="{BB962C8B-B14F-4D97-AF65-F5344CB8AC3E}">
-        <p14:creationId xmlns:p14="http://schemas.microsoft.com/office/powerpoint/2010/main" val="1938880681"/>
+        <p14:creationId xmlns:p14="http://schemas.microsoft.com/office/powerpoint/2010/main" xmlns="" val="1938880681"/>
       </p:ext>
     </p:extLst>
   </p:cSld>
@@ -9353,7 +9360,7 @@
     </p:spTree>
     <p:extLst>
       <p:ext uri="{BB962C8B-B14F-4D97-AF65-F5344CB8AC3E}">
-        <p14:creationId xmlns:p14="http://schemas.microsoft.com/office/powerpoint/2010/main" val="1965569351"/>
+        <p14:creationId xmlns:p14="http://schemas.microsoft.com/office/powerpoint/2010/main" xmlns="" val="1965569351"/>
       </p:ext>
     </p:extLst>
   </p:cSld>
@@ -12645,7 +12652,7 @@
             <a:blip r:embed="rId2">
               <a:extLst>
                 <a:ext uri="{28A0092B-C50C-407E-A947-70E740481C1C}">
-                  <a14:useLocalDpi xmlns:a14="http://schemas.microsoft.com/office/drawing/2010/main" val="0"/>
+                  <a14:useLocalDpi xmlns:a14="http://schemas.microsoft.com/office/drawing/2010/main" xmlns="" val="0"/>
                 </a:ext>
               </a:extLst>
             </a:blip>
@@ -12665,7 +12672,7 @@
             <a:noFill/>
             <a:extLst>
               <a:ext uri="{909E8E84-426E-40DD-AFC4-6F175D3DCCD1}">
-                <a14:hiddenFill xmlns:a14="http://schemas.microsoft.com/office/drawing/2010/main">
+                <a14:hiddenFill xmlns:a14="http://schemas.microsoft.com/office/drawing/2010/main" xmlns="">
                   <a:solidFill>
                     <a:srgbClr val="FFFFFF"/>
                   </a:solidFill>
@@ -12893,7 +12900,7 @@
     </p:spTree>
     <p:extLst>
       <p:ext uri="{BB962C8B-B14F-4D97-AF65-F5344CB8AC3E}">
-        <p14:creationId xmlns:p14="http://schemas.microsoft.com/office/powerpoint/2010/main" val="1397037561"/>
+        <p14:creationId xmlns:p14="http://schemas.microsoft.com/office/powerpoint/2010/main" xmlns="" val="1397037561"/>
       </p:ext>
     </p:extLst>
   </p:cSld>
@@ -13957,13 +13964,20 @@
     </p:spTree>
     <p:extLst>
       <p:ext uri="{BB962C8B-B14F-4D97-AF65-F5344CB8AC3E}">
-        <p14:creationId xmlns:p14="http://schemas.microsoft.com/office/powerpoint/2010/main" val="3547026487"/>
+        <p14:creationId xmlns:p14="http://schemas.microsoft.com/office/powerpoint/2010/main" xmlns="" val="3547026487"/>
       </p:ext>
     </p:extLst>
   </p:cSld>
   <p:clrMapOvr>
     <a:masterClrMapping/>
   </p:clrMapOvr>
+  <p:timing>
+    <p:tnLst>
+      <p:par>
+        <p:cTn id="1" dur="indefinite" restart="never" nodeType="tmRoot"/>
+      </p:par>
+    </p:tnLst>
+  </p:timing>
 </p:sld>
 </file>
 
@@ -14787,13 +14801,20 @@
     </p:spTree>
     <p:extLst>
       <p:ext uri="{BB962C8B-B14F-4D97-AF65-F5344CB8AC3E}">
-        <p14:creationId xmlns:p14="http://schemas.microsoft.com/office/powerpoint/2010/main" val="2801016420"/>
+        <p14:creationId xmlns:p14="http://schemas.microsoft.com/office/powerpoint/2010/main" xmlns="" val="2801016420"/>
       </p:ext>
     </p:extLst>
   </p:cSld>
   <p:clrMapOvr>
     <a:masterClrMapping/>
   </p:clrMapOvr>
+  <p:timing>
+    <p:tnLst>
+      <p:par>
+        <p:cTn id="1" dur="indefinite" restart="never" nodeType="tmRoot"/>
+      </p:par>
+    </p:tnLst>
+  </p:timing>
 </p:sld>
 </file>
 
@@ -14873,7 +14894,7 @@
         </p:nvSpPr>
         <p:spPr>
           <a:xfrm>
-            <a:off x="779984" y="1597181"/>
+            <a:off x="808119" y="1512775"/>
             <a:ext cx="10375696" cy="4762055"/>
           </a:xfrm>
           <a:prstGeom prst="rect">
@@ -15406,7 +15427,7 @@
     </p:spTree>
     <p:extLst>
       <p:ext uri="{BB962C8B-B14F-4D97-AF65-F5344CB8AC3E}">
-        <p14:creationId xmlns:p14="http://schemas.microsoft.com/office/powerpoint/2010/main" val="2197900460"/>
+        <p14:creationId xmlns:p14="http://schemas.microsoft.com/office/powerpoint/2010/main" xmlns="" val="2197900460"/>
       </p:ext>
     </p:extLst>
   </p:cSld>
@@ -16535,13 +16556,20 @@
     </p:spTree>
     <p:extLst>
       <p:ext uri="{BB962C8B-B14F-4D97-AF65-F5344CB8AC3E}">
-        <p14:creationId xmlns:p14="http://schemas.microsoft.com/office/powerpoint/2010/main" val="1151536452"/>
+        <p14:creationId xmlns:p14="http://schemas.microsoft.com/office/powerpoint/2010/main" xmlns="" val="1151536452"/>
       </p:ext>
     </p:extLst>
   </p:cSld>
   <p:clrMapOvr>
     <a:masterClrMapping/>
   </p:clrMapOvr>
+  <p:timing>
+    <p:tnLst>
+      <p:par>
+        <p:cTn id="1" dur="indefinite" restart="never" nodeType="tmRoot"/>
+      </p:par>
+    </p:tnLst>
+  </p:timing>
 </p:sld>
 </file>
 
@@ -17784,7 +17812,7 @@
     </p:spTree>
     <p:extLst>
       <p:ext uri="{BB962C8B-B14F-4D97-AF65-F5344CB8AC3E}">
-        <p14:creationId xmlns:p14="http://schemas.microsoft.com/office/powerpoint/2010/main" val="3085776068"/>
+        <p14:creationId xmlns:p14="http://schemas.microsoft.com/office/powerpoint/2010/main" xmlns="" val="3085776068"/>
       </p:ext>
     </p:extLst>
   </p:cSld>
@@ -18831,13 +18859,20 @@
     </p:spTree>
     <p:extLst>
       <p:ext uri="{BB962C8B-B14F-4D97-AF65-F5344CB8AC3E}">
-        <p14:creationId xmlns:p14="http://schemas.microsoft.com/office/powerpoint/2010/main" val="3127349109"/>
+        <p14:creationId xmlns:p14="http://schemas.microsoft.com/office/powerpoint/2010/main" xmlns="" val="3127349109"/>
       </p:ext>
     </p:extLst>
   </p:cSld>
   <p:clrMapOvr>
     <a:masterClrMapping/>
   </p:clrMapOvr>
+  <p:timing>
+    <p:tnLst>
+      <p:par>
+        <p:cTn id="1" dur="indefinite" restart="never" nodeType="tmRoot"/>
+      </p:par>
+    </p:tnLst>
+  </p:timing>
 </p:sld>
 </file>
 
@@ -19477,7 +19512,7 @@
     </p:spTree>
     <p:extLst>
       <p:ext uri="{BB962C8B-B14F-4D97-AF65-F5344CB8AC3E}">
-        <p14:creationId xmlns:p14="http://schemas.microsoft.com/office/powerpoint/2010/main" val="4001178610"/>
+        <p14:creationId xmlns:p14="http://schemas.microsoft.com/office/powerpoint/2010/main" xmlns="" val="4001178610"/>
       </p:ext>
     </p:extLst>
   </p:cSld>
@@ -20172,7 +20207,7 @@
     </p:spTree>
     <p:extLst>
       <p:ext uri="{BB962C8B-B14F-4D97-AF65-F5344CB8AC3E}">
-        <p14:creationId xmlns:p14="http://schemas.microsoft.com/office/powerpoint/2010/main" val="24929808"/>
+        <p14:creationId xmlns:p14="http://schemas.microsoft.com/office/powerpoint/2010/main" xmlns="" val="24929808"/>
       </p:ext>
     </p:extLst>
   </p:cSld>
@@ -20603,7 +20638,7 @@
     </p:spTree>
     <p:extLst>
       <p:ext uri="{BB962C8B-B14F-4D97-AF65-F5344CB8AC3E}">
-        <p14:creationId xmlns:p14="http://schemas.microsoft.com/office/powerpoint/2010/main" val="4145519752"/>
+        <p14:creationId xmlns:p14="http://schemas.microsoft.com/office/powerpoint/2010/main" xmlns="" val="4145519752"/>
       </p:ext>
     </p:extLst>
   </p:cSld>
@@ -21374,7 +21409,7 @@
     </p:spTree>
     <p:extLst>
       <p:ext uri="{BB962C8B-B14F-4D97-AF65-F5344CB8AC3E}">
-        <p14:creationId xmlns:p14="http://schemas.microsoft.com/office/powerpoint/2010/main" val="1784739537"/>
+        <p14:creationId xmlns:p14="http://schemas.microsoft.com/office/powerpoint/2010/main" xmlns="" val="1784739537"/>
       </p:ext>
     </p:extLst>
   </p:cSld>
@@ -21733,7 +21768,7 @@
     </p:spTree>
     <p:extLst>
       <p:ext uri="{BB962C8B-B14F-4D97-AF65-F5344CB8AC3E}">
-        <p14:creationId xmlns:p14="http://schemas.microsoft.com/office/powerpoint/2010/main" val="1020875836"/>
+        <p14:creationId xmlns:p14="http://schemas.microsoft.com/office/powerpoint/2010/main" xmlns="" val="1020875836"/>
       </p:ext>
     </p:extLst>
   </p:cSld>
@@ -22214,7 +22249,7 @@
     </p:spTree>
     <p:extLst>
       <p:ext uri="{BB962C8B-B14F-4D97-AF65-F5344CB8AC3E}">
-        <p14:creationId xmlns:p14="http://schemas.microsoft.com/office/powerpoint/2010/main" val="3869915687"/>
+        <p14:creationId xmlns:p14="http://schemas.microsoft.com/office/powerpoint/2010/main" xmlns="" val="3869915687"/>
       </p:ext>
     </p:extLst>
   </p:cSld>
@@ -22958,13 +22993,20 @@
     </p:spTree>
     <p:extLst>
       <p:ext uri="{BB962C8B-B14F-4D97-AF65-F5344CB8AC3E}">
-        <p14:creationId xmlns:p14="http://schemas.microsoft.com/office/powerpoint/2010/main" val="1808569817"/>
+        <p14:creationId xmlns:p14="http://schemas.microsoft.com/office/powerpoint/2010/main" xmlns="" val="1808569817"/>
       </p:ext>
     </p:extLst>
   </p:cSld>
   <p:clrMapOvr>
     <a:masterClrMapping/>
   </p:clrMapOvr>
+  <p:timing>
+    <p:tnLst>
+      <p:par>
+        <p:cTn id="1" dur="indefinite" restart="never" nodeType="tmRoot"/>
+      </p:par>
+    </p:tnLst>
+  </p:timing>
 </p:sld>
 </file>
 
@@ -23226,7 +23268,7 @@
     </p:spTree>
     <p:extLst>
       <p:ext uri="{BB962C8B-B14F-4D97-AF65-F5344CB8AC3E}">
-        <p14:creationId xmlns:p14="http://schemas.microsoft.com/office/powerpoint/2010/main" val="2344351215"/>
+        <p14:creationId xmlns:p14="http://schemas.microsoft.com/office/powerpoint/2010/main" xmlns="" val="2344351215"/>
       </p:ext>
     </p:extLst>
   </p:cSld>
@@ -23792,14 +23834,14 @@
                   <a:gridCol w="2330768">
                     <a:extLst>
                       <a:ext uri="{9D8B030D-6E8A-4147-A177-3AD203B41FA5}">
-                        <a16:colId xmlns:a16="http://schemas.microsoft.com/office/drawing/2014/main" val="20000"/>
+                        <a16:colId xmlns:a16="http://schemas.microsoft.com/office/drawing/2014/main" xmlns="" val="20000"/>
                       </a:ext>
                     </a:extLst>
                   </a:gridCol>
                   <a:gridCol w="2526030">
                     <a:extLst>
                       <a:ext uri="{9D8B030D-6E8A-4147-A177-3AD203B41FA5}">
-                        <a16:colId xmlns:a16="http://schemas.microsoft.com/office/drawing/2014/main" val="20001"/>
+                        <a16:colId xmlns:a16="http://schemas.microsoft.com/office/drawing/2014/main" xmlns="" val="20001"/>
                       </a:ext>
                     </a:extLst>
                   </a:gridCol>
@@ -24033,7 +24075,7 @@
                   </a:tc>
                   <a:extLst>
                     <a:ext uri="{0D108BD9-81ED-4DB2-BD59-A6C34878D82A}">
-                      <a16:rowId xmlns:a16="http://schemas.microsoft.com/office/drawing/2014/main" val="10000"/>
+                      <a16:rowId xmlns:a16="http://schemas.microsoft.com/office/drawing/2014/main" xmlns="" val="10000"/>
                     </a:ext>
                   </a:extLst>
                 </a:tr>
@@ -24266,7 +24308,7 @@
                   </a:tc>
                   <a:extLst>
                     <a:ext uri="{0D108BD9-81ED-4DB2-BD59-A6C34878D82A}">
-                      <a16:rowId xmlns:a16="http://schemas.microsoft.com/office/drawing/2014/main" val="10001"/>
+                      <a16:rowId xmlns:a16="http://schemas.microsoft.com/office/drawing/2014/main" xmlns="" val="10001"/>
                     </a:ext>
                   </a:extLst>
                 </a:tr>
@@ -24499,7 +24541,7 @@
                   </a:tc>
                   <a:extLst>
                     <a:ext uri="{0D108BD9-81ED-4DB2-BD59-A6C34878D82A}">
-                      <a16:rowId xmlns:a16="http://schemas.microsoft.com/office/drawing/2014/main" val="10002"/>
+                      <a16:rowId xmlns:a16="http://schemas.microsoft.com/office/drawing/2014/main" xmlns="" val="10002"/>
                     </a:ext>
                   </a:extLst>
                 </a:tr>
@@ -24885,35 +24927,35 @@
                   <a:gridCol w="771774">
                     <a:extLst>
                       <a:ext uri="{9D8B030D-6E8A-4147-A177-3AD203B41FA5}">
-                        <a16:colId xmlns:a16="http://schemas.microsoft.com/office/drawing/2014/main" val="20000"/>
+                        <a16:colId xmlns:a16="http://schemas.microsoft.com/office/drawing/2014/main" xmlns="" val="20000"/>
                       </a:ext>
                     </a:extLst>
                   </a:gridCol>
                   <a:gridCol w="771774">
                     <a:extLst>
                       <a:ext uri="{9D8B030D-6E8A-4147-A177-3AD203B41FA5}">
-                        <a16:colId xmlns:a16="http://schemas.microsoft.com/office/drawing/2014/main" val="20001"/>
+                        <a16:colId xmlns:a16="http://schemas.microsoft.com/office/drawing/2014/main" xmlns="" val="20001"/>
                       </a:ext>
                     </a:extLst>
                   </a:gridCol>
                   <a:gridCol w="771774">
                     <a:extLst>
                       <a:ext uri="{9D8B030D-6E8A-4147-A177-3AD203B41FA5}">
-                        <a16:colId xmlns:a16="http://schemas.microsoft.com/office/drawing/2014/main" val="20002"/>
+                        <a16:colId xmlns:a16="http://schemas.microsoft.com/office/drawing/2014/main" xmlns="" val="20002"/>
                       </a:ext>
                     </a:extLst>
                   </a:gridCol>
                   <a:gridCol w="771774">
                     <a:extLst>
                       <a:ext uri="{9D8B030D-6E8A-4147-A177-3AD203B41FA5}">
-                        <a16:colId xmlns:a16="http://schemas.microsoft.com/office/drawing/2014/main" val="20003"/>
+                        <a16:colId xmlns:a16="http://schemas.microsoft.com/office/drawing/2014/main" xmlns="" val="20003"/>
                       </a:ext>
                     </a:extLst>
                   </a:gridCol>
                   <a:gridCol w="771774">
                     <a:extLst>
                       <a:ext uri="{9D8B030D-6E8A-4147-A177-3AD203B41FA5}">
-                        <a16:colId xmlns:a16="http://schemas.microsoft.com/office/drawing/2014/main" val="20004"/>
+                        <a16:colId xmlns:a16="http://schemas.microsoft.com/office/drawing/2014/main" xmlns="" val="20004"/>
                       </a:ext>
                     </a:extLst>
                   </a:gridCol>
@@ -25486,7 +25528,7 @@
                   </a:tc>
                   <a:extLst>
                     <a:ext uri="{0D108BD9-81ED-4DB2-BD59-A6C34878D82A}">
-                      <a16:rowId xmlns:a16="http://schemas.microsoft.com/office/drawing/2014/main" val="10000"/>
+                      <a16:rowId xmlns:a16="http://schemas.microsoft.com/office/drawing/2014/main" xmlns="" val="10000"/>
                     </a:ext>
                   </a:extLst>
                 </a:tr>
@@ -25560,7 +25602,7 @@
     </p:spTree>
     <p:extLst>
       <p:ext uri="{BB962C8B-B14F-4D97-AF65-F5344CB8AC3E}">
-        <p14:creationId xmlns:p14="http://schemas.microsoft.com/office/powerpoint/2010/main" val="3669454367"/>
+        <p14:creationId xmlns:p14="http://schemas.microsoft.com/office/powerpoint/2010/main" xmlns="" val="3669454367"/>
       </p:ext>
     </p:extLst>
   </p:cSld>
@@ -25934,7 +25976,7 @@
     </p:spTree>
     <p:extLst>
       <p:ext uri="{BB962C8B-B14F-4D97-AF65-F5344CB8AC3E}">
-        <p14:creationId xmlns:p14="http://schemas.microsoft.com/office/powerpoint/2010/main" val="335158283"/>
+        <p14:creationId xmlns:p14="http://schemas.microsoft.com/office/powerpoint/2010/main" xmlns="" val="335158283"/>
       </p:ext>
     </p:extLst>
   </p:cSld>
@@ -26476,13 +26518,20 @@
     </p:spTree>
     <p:extLst>
       <p:ext uri="{BB962C8B-B14F-4D97-AF65-F5344CB8AC3E}">
-        <p14:creationId xmlns:p14="http://schemas.microsoft.com/office/powerpoint/2010/main" val="2741420083"/>
+        <p14:creationId xmlns:p14="http://schemas.microsoft.com/office/powerpoint/2010/main" xmlns="" val="2741420083"/>
       </p:ext>
     </p:extLst>
   </p:cSld>
   <p:clrMapOvr>
     <a:masterClrMapping/>
   </p:clrMapOvr>
+  <p:timing>
+    <p:tnLst>
+      <p:par>
+        <p:cTn id="1" dur="indefinite" restart="never" nodeType="tmRoot"/>
+      </p:par>
+    </p:tnLst>
+  </p:timing>
 </p:sld>
 </file>
 
@@ -27790,7 +27839,7 @@
     </p:spTree>
     <p:extLst>
       <p:ext uri="{BB962C8B-B14F-4D97-AF65-F5344CB8AC3E}">
-        <p14:creationId xmlns:p14="http://schemas.microsoft.com/office/powerpoint/2010/main" val="2777210877"/>
+        <p14:creationId xmlns:p14="http://schemas.microsoft.com/office/powerpoint/2010/main" xmlns="" val="2777210877"/>
       </p:ext>
     </p:extLst>
   </p:cSld>
@@ -28547,7 +28596,7 @@
     </p:spTree>
     <p:extLst>
       <p:ext uri="{BB962C8B-B14F-4D97-AF65-F5344CB8AC3E}">
-        <p14:creationId xmlns:p14="http://schemas.microsoft.com/office/powerpoint/2010/main" val="425565120"/>
+        <p14:creationId xmlns:p14="http://schemas.microsoft.com/office/powerpoint/2010/main" xmlns="" val="425565120"/>
       </p:ext>
     </p:extLst>
   </p:cSld>
@@ -28891,7 +28940,7 @@
     </p:spTree>
     <p:extLst>
       <p:ext uri="{BB962C8B-B14F-4D97-AF65-F5344CB8AC3E}">
-        <p14:creationId xmlns:p14="http://schemas.microsoft.com/office/powerpoint/2010/main" val="4058008978"/>
+        <p14:creationId xmlns:p14="http://schemas.microsoft.com/office/powerpoint/2010/main" xmlns="" val="4058008978"/>
       </p:ext>
     </p:extLst>
   </p:cSld>
@@ -29491,13 +29540,20 @@
     </p:spTree>
     <p:extLst>
       <p:ext uri="{BB962C8B-B14F-4D97-AF65-F5344CB8AC3E}">
-        <p14:creationId xmlns:p14="http://schemas.microsoft.com/office/powerpoint/2010/main" val="3623091581"/>
+        <p14:creationId xmlns:p14="http://schemas.microsoft.com/office/powerpoint/2010/main" xmlns="" val="3623091581"/>
       </p:ext>
     </p:extLst>
   </p:cSld>
   <p:clrMapOvr>
     <a:masterClrMapping/>
   </p:clrMapOvr>
+  <p:timing>
+    <p:tnLst>
+      <p:par>
+        <p:cTn id="1" dur="indefinite" restart="never" nodeType="tmRoot"/>
+      </p:par>
+    </p:tnLst>
+  </p:timing>
 </p:sld>
 </file>
 
@@ -30146,13 +30202,20 @@
     </p:spTree>
     <p:extLst>
       <p:ext uri="{BB962C8B-B14F-4D97-AF65-F5344CB8AC3E}">
-        <p14:creationId xmlns:p14="http://schemas.microsoft.com/office/powerpoint/2010/main" val="514398273"/>
+        <p14:creationId xmlns:p14="http://schemas.microsoft.com/office/powerpoint/2010/main" xmlns="" val="514398273"/>
       </p:ext>
     </p:extLst>
   </p:cSld>
   <p:clrMapOvr>
     <a:masterClrMapping/>
   </p:clrMapOvr>
+  <p:timing>
+    <p:tnLst>
+      <p:par>
+        <p:cTn id="1" dur="indefinite" restart="never" nodeType="tmRoot"/>
+      </p:par>
+    </p:tnLst>
+  </p:timing>
 </p:sld>
 </file>
 
@@ -30538,13 +30601,20 @@
     </p:spTree>
     <p:extLst>
       <p:ext uri="{BB962C8B-B14F-4D97-AF65-F5344CB8AC3E}">
-        <p14:creationId xmlns:p14="http://schemas.microsoft.com/office/powerpoint/2010/main" val="3179889243"/>
+        <p14:creationId xmlns:p14="http://schemas.microsoft.com/office/powerpoint/2010/main" xmlns="" val="3179889243"/>
       </p:ext>
     </p:extLst>
   </p:cSld>
   <p:clrMapOvr>
     <a:masterClrMapping/>
   </p:clrMapOvr>
+  <p:timing>
+    <p:tnLst>
+      <p:par>
+        <p:cTn id="1" dur="indefinite" restart="never" nodeType="tmRoot"/>
+      </p:par>
+    </p:tnLst>
+  </p:timing>
 </p:sld>
 </file>
 
@@ -30810,7 +30880,7 @@
     </p:spTree>
     <p:extLst>
       <p:ext uri="{BB962C8B-B14F-4D97-AF65-F5344CB8AC3E}">
-        <p14:creationId xmlns:p14="http://schemas.microsoft.com/office/powerpoint/2010/main" val="3219603076"/>
+        <p14:creationId xmlns:p14="http://schemas.microsoft.com/office/powerpoint/2010/main" xmlns="" val="3219603076"/>
       </p:ext>
     </p:extLst>
   </p:cSld>
@@ -31128,7 +31198,6 @@
               <a:rPr lang="en-US" noProof="1"/>
               <a:t>:</a:t>
             </a:r>
-            <a:endParaRPr lang="en-US" noProof="1"/>
           </a:p>
         </p:txBody>
       </p:sp>
@@ -31331,7 +31400,7 @@
     </p:spTree>
     <p:extLst>
       <p:ext uri="{BB962C8B-B14F-4D97-AF65-F5344CB8AC3E}">
-        <p14:creationId xmlns:p14="http://schemas.microsoft.com/office/powerpoint/2010/main" val="319040997"/>
+        <p14:creationId xmlns:p14="http://schemas.microsoft.com/office/powerpoint/2010/main" xmlns="" val="319040997"/>
       </p:ext>
     </p:extLst>
   </p:cSld>
@@ -31940,13 +32009,20 @@
     </p:spTree>
     <p:extLst>
       <p:ext uri="{BB962C8B-B14F-4D97-AF65-F5344CB8AC3E}">
-        <p14:creationId xmlns:p14="http://schemas.microsoft.com/office/powerpoint/2010/main" val="331355133"/>
+        <p14:creationId xmlns:p14="http://schemas.microsoft.com/office/powerpoint/2010/main" xmlns="" val="331355133"/>
       </p:ext>
     </p:extLst>
   </p:cSld>
   <p:clrMapOvr>
     <a:masterClrMapping/>
   </p:clrMapOvr>
+  <p:timing>
+    <p:tnLst>
+      <p:par>
+        <p:cTn id="1" dur="indefinite" restart="never" nodeType="tmRoot"/>
+      </p:par>
+    </p:tnLst>
+  </p:timing>
 </p:sld>
 </file>
 
@@ -33707,7 +33783,7 @@
     </p:spTree>
     <p:extLst>
       <p:ext uri="{BB962C8B-B14F-4D97-AF65-F5344CB8AC3E}">
-        <p14:creationId xmlns:p14="http://schemas.microsoft.com/office/powerpoint/2010/main" val="4246813761"/>
+        <p14:creationId xmlns:p14="http://schemas.microsoft.com/office/powerpoint/2010/main" xmlns="" val="4246813761"/>
       </p:ext>
     </p:extLst>
   </p:cSld>
@@ -33954,7 +34030,7 @@
     </p:spTree>
     <p:extLst>
       <p:ext uri="{BB962C8B-B14F-4D97-AF65-F5344CB8AC3E}">
-        <p14:creationId xmlns:p14="http://schemas.microsoft.com/office/powerpoint/2010/main" val="578569191"/>
+        <p14:creationId xmlns:p14="http://schemas.microsoft.com/office/powerpoint/2010/main" xmlns="" val="578569191"/>
       </p:ext>
     </p:extLst>
   </p:cSld>
@@ -34659,13 +34735,20 @@
     </p:spTree>
     <p:extLst>
       <p:ext uri="{BB962C8B-B14F-4D97-AF65-F5344CB8AC3E}">
-        <p14:creationId xmlns:p14="http://schemas.microsoft.com/office/powerpoint/2010/main" val="2463448268"/>
+        <p14:creationId xmlns:p14="http://schemas.microsoft.com/office/powerpoint/2010/main" xmlns="" val="2463448268"/>
       </p:ext>
     </p:extLst>
   </p:cSld>
   <p:clrMapOvr>
     <a:masterClrMapping/>
   </p:clrMapOvr>
+  <p:timing>
+    <p:tnLst>
+      <p:par>
+        <p:cTn id="1" dur="indefinite" restart="never" nodeType="tmRoot"/>
+      </p:par>
+    </p:tnLst>
+  </p:timing>
 </p:sld>
 </file>
 
@@ -35129,7 +35212,7 @@
     </p:spTree>
     <p:extLst>
       <p:ext uri="{BB962C8B-B14F-4D97-AF65-F5344CB8AC3E}">
-        <p14:creationId xmlns:p14="http://schemas.microsoft.com/office/powerpoint/2010/main" val="355758111"/>
+        <p14:creationId xmlns:p14="http://schemas.microsoft.com/office/powerpoint/2010/main" xmlns="" val="355758111"/>
       </p:ext>
     </p:extLst>
   </p:cSld>
@@ -35560,13 +35643,20 @@
     </p:spTree>
     <p:extLst>
       <p:ext uri="{BB962C8B-B14F-4D97-AF65-F5344CB8AC3E}">
-        <p14:creationId xmlns:p14="http://schemas.microsoft.com/office/powerpoint/2010/main" val="975082850"/>
+        <p14:creationId xmlns:p14="http://schemas.microsoft.com/office/powerpoint/2010/main" xmlns="" val="975082850"/>
       </p:ext>
     </p:extLst>
   </p:cSld>
   <p:clrMapOvr>
     <a:masterClrMapping/>
   </p:clrMapOvr>
+  <p:timing>
+    <p:tnLst>
+      <p:par>
+        <p:cTn id="1" dur="indefinite" restart="never" nodeType="tmRoot"/>
+      </p:par>
+    </p:tnLst>
+  </p:timing>
 </p:sld>
 </file>
 
@@ -39248,7 +39338,7 @@
     </p:spTree>
     <p:extLst>
       <p:ext uri="{BB962C8B-B14F-4D97-AF65-F5344CB8AC3E}">
-        <p14:creationId xmlns:p14="http://schemas.microsoft.com/office/powerpoint/2010/main" val="2770170415"/>
+        <p14:creationId xmlns:p14="http://schemas.microsoft.com/office/powerpoint/2010/main" xmlns="" val="2770170415"/>
       </p:ext>
     </p:extLst>
   </p:cSld>
@@ -42886,7 +42976,7 @@
     </p:spTree>
     <p:extLst>
       <p:ext uri="{BB962C8B-B14F-4D97-AF65-F5344CB8AC3E}">
-        <p14:creationId xmlns:p14="http://schemas.microsoft.com/office/powerpoint/2010/main" val="942919971"/>
+        <p14:creationId xmlns:p14="http://schemas.microsoft.com/office/powerpoint/2010/main" xmlns="" val="942919971"/>
       </p:ext>
     </p:extLst>
   </p:cSld>
@@ -43509,7 +43599,7 @@
   <a:extraClrSchemeLst/>
   <a:extLst>
     <a:ext uri="{05A4C25C-085E-4340-85A3-A5531E510DB2}">
-      <thm15:themeFamily xmlns:thm15="http://schemas.microsoft.com/office/thememl/2012/main" name="Retrospect" id="{5F128B03-DCCA-4EEB-AB3B-CF2899314A46}" vid="{3F1AAB62-24C6-49D2-8E01-B56FAC9A3DCD}"/>
+      <thm15:themeFamily xmlns:thm15="http://schemas.microsoft.com/office/thememl/2012/main" xmlns="" name="Retrospect" id="{5F128B03-DCCA-4EEB-AB3B-CF2899314A46}" vid="{3F1AAB62-24C6-49D2-8E01-B56FAC9A3DCD}"/>
     </a:ext>
   </a:extLst>
 </a:theme>
@@ -43770,7 +43860,7 @@
   <a:extraClrSchemeLst/>
   <a:extLst>
     <a:ext uri="{05A4C25C-085E-4340-85A3-A5531E510DB2}">
-      <thm15:themeFamily xmlns:thm15="http://schemas.microsoft.com/office/thememl/2012/main" name="Office Theme" id="{62F939B6-93AF-4DB8-9C6B-D6C7DFDC589F}" vid="{4A3C46E8-61CC-4603-A589-7422A47A8E4A}"/>
+      <thm15:themeFamily xmlns:thm15="http://schemas.microsoft.com/office/thememl/2012/main" xmlns="" name="Office Theme" id="{62F939B6-93AF-4DB8-9C6B-D6C7DFDC589F}" vid="{4A3C46E8-61CC-4603-A589-7422A47A8E4A}"/>
     </a:ext>
   </a:extLst>
 </a:theme>
